--- a/study/JavaScript30-master/JS30_16.pptx
+++ b/study/JavaScript30-master/JS30_16.pptx
@@ -109,6 +109,11 @@
       </a:defRPr>
     </a:lvl9pPr>
   </p:defaultTextStyle>
+  <p:extLst>
+    <p:ext uri="{EFAFB233-063F-42B5-8137-9DF3F51BA10A}">
+      <p15:sldGuideLst xmlns:p15="http://schemas.microsoft.com/office/powerpoint/2012/main"/>
+    </p:ext>
+  </p:extLst>
 </p:presentation>
 </file>
 
@@ -243,7 +248,7 @@
           <a:p>
             <a:fld id="{4025157B-56A7-413B-A367-A4891B87D689}" type="datetimeFigureOut">
               <a:rPr lang="ko-KR" altLang="en-US" smtClean="0"/>
-              <a:t>2020-03-28</a:t>
+              <a:t>2020-03-29</a:t>
             </a:fld>
             <a:endParaRPr lang="ko-KR" altLang="en-US"/>
           </a:p>
@@ -413,7 +418,7 @@
           <a:p>
             <a:fld id="{4025157B-56A7-413B-A367-A4891B87D689}" type="datetimeFigureOut">
               <a:rPr lang="ko-KR" altLang="en-US" smtClean="0"/>
-              <a:t>2020-03-28</a:t>
+              <a:t>2020-03-29</a:t>
             </a:fld>
             <a:endParaRPr lang="ko-KR" altLang="en-US"/>
           </a:p>
@@ -593,7 +598,7 @@
           <a:p>
             <a:fld id="{4025157B-56A7-413B-A367-A4891B87D689}" type="datetimeFigureOut">
               <a:rPr lang="ko-KR" altLang="en-US" smtClean="0"/>
-              <a:t>2020-03-28</a:t>
+              <a:t>2020-03-29</a:t>
             </a:fld>
             <a:endParaRPr lang="ko-KR" altLang="en-US"/>
           </a:p>
@@ -763,7 +768,7 @@
           <a:p>
             <a:fld id="{4025157B-56A7-413B-A367-A4891B87D689}" type="datetimeFigureOut">
               <a:rPr lang="ko-KR" altLang="en-US" smtClean="0"/>
-              <a:t>2020-03-28</a:t>
+              <a:t>2020-03-29</a:t>
             </a:fld>
             <a:endParaRPr lang="ko-KR" altLang="en-US"/>
           </a:p>
@@ -1009,7 +1014,7 @@
           <a:p>
             <a:fld id="{4025157B-56A7-413B-A367-A4891B87D689}" type="datetimeFigureOut">
               <a:rPr lang="ko-KR" altLang="en-US" smtClean="0"/>
-              <a:t>2020-03-28</a:t>
+              <a:t>2020-03-29</a:t>
             </a:fld>
             <a:endParaRPr lang="ko-KR" altLang="en-US"/>
           </a:p>
@@ -1241,7 +1246,7 @@
           <a:p>
             <a:fld id="{4025157B-56A7-413B-A367-A4891B87D689}" type="datetimeFigureOut">
               <a:rPr lang="ko-KR" altLang="en-US" smtClean="0"/>
-              <a:t>2020-03-28</a:t>
+              <a:t>2020-03-29</a:t>
             </a:fld>
             <a:endParaRPr lang="ko-KR" altLang="en-US"/>
           </a:p>
@@ -1608,7 +1613,7 @@
           <a:p>
             <a:fld id="{4025157B-56A7-413B-A367-A4891B87D689}" type="datetimeFigureOut">
               <a:rPr lang="ko-KR" altLang="en-US" smtClean="0"/>
-              <a:t>2020-03-28</a:t>
+              <a:t>2020-03-29</a:t>
             </a:fld>
             <a:endParaRPr lang="ko-KR" altLang="en-US"/>
           </a:p>
@@ -1726,7 +1731,7 @@
           <a:p>
             <a:fld id="{4025157B-56A7-413B-A367-A4891B87D689}" type="datetimeFigureOut">
               <a:rPr lang="ko-KR" altLang="en-US" smtClean="0"/>
-              <a:t>2020-03-28</a:t>
+              <a:t>2020-03-29</a:t>
             </a:fld>
             <a:endParaRPr lang="ko-KR" altLang="en-US"/>
           </a:p>
@@ -1821,7 +1826,7 @@
           <a:p>
             <a:fld id="{4025157B-56A7-413B-A367-A4891B87D689}" type="datetimeFigureOut">
               <a:rPr lang="ko-KR" altLang="en-US" smtClean="0"/>
-              <a:t>2020-03-28</a:t>
+              <a:t>2020-03-29</a:t>
             </a:fld>
             <a:endParaRPr lang="ko-KR" altLang="en-US"/>
           </a:p>
@@ -2098,7 +2103,7 @@
           <a:p>
             <a:fld id="{4025157B-56A7-413B-A367-A4891B87D689}" type="datetimeFigureOut">
               <a:rPr lang="ko-KR" altLang="en-US" smtClean="0"/>
-              <a:t>2020-03-28</a:t>
+              <a:t>2020-03-29</a:t>
             </a:fld>
             <a:endParaRPr lang="ko-KR" altLang="en-US"/>
           </a:p>
@@ -2351,7 +2356,7 @@
           <a:p>
             <a:fld id="{4025157B-56A7-413B-A367-A4891B87D689}" type="datetimeFigureOut">
               <a:rPr lang="ko-KR" altLang="en-US" smtClean="0"/>
-              <a:t>2020-03-28</a:t>
+              <a:t>2020-03-29</a:t>
             </a:fld>
             <a:endParaRPr lang="ko-KR" altLang="en-US"/>
           </a:p>
@@ -2564,7 +2569,7 @@
           <a:p>
             <a:fld id="{4025157B-56A7-413B-A367-A4891B87D689}" type="datetimeFigureOut">
               <a:rPr lang="ko-KR" altLang="en-US" smtClean="0"/>
-              <a:t>2020-03-28</a:t>
+              <a:t>2020-03-29</a:t>
             </a:fld>
             <a:endParaRPr lang="ko-KR" altLang="en-US"/>
           </a:p>
@@ -4045,6 +4050,13 @@
   <p:clrMapOvr>
     <a:masterClrMapping/>
   </p:clrMapOvr>
+  <p:timing>
+    <p:tnLst>
+      <p:par>
+        <p:cTn id="1" dur="indefinite" restart="never" nodeType="tmRoot"/>
+      </p:par>
+    </p:tnLst>
+  </p:timing>
 </p:sld>
 </file>
 
@@ -4427,7 +4439,7 @@
         </p:nvSpPr>
         <p:spPr>
           <a:xfrm>
-            <a:off x="862150" y="1565476"/>
+            <a:off x="862150" y="1783190"/>
             <a:ext cx="8612776" cy="1200329"/>
           </a:xfrm>
           <a:prstGeom prst="rect">
@@ -4550,7 +4562,7 @@
                 <a:effectLst/>
                 <a:latin typeface="Consolas" panose="020B0609020204030204" pitchFamily="49" charset="0"/>
               </a:rPr>
-              <a:t>e.offset</a:t>
+              <a:t>e.offsetX</a:t>
             </a:r>
             <a:r>
               <a:rPr lang="en-US" altLang="ko-KR" dirty="0" smtClean="0">
@@ -4559,7 +4571,16 @@
                 </a:solidFill>
                 <a:latin typeface="Consolas" panose="020B0609020204030204" pitchFamily="49" charset="0"/>
               </a:rPr>
-              <a:t>, y =</a:t>
+              <a:t>, </a:t>
+            </a:r>
+            <a:r>
+              <a:rPr lang="en-US" altLang="ko-KR" dirty="0" smtClean="0">
+                <a:solidFill>
+                  <a:srgbClr val="ABB2BF"/>
+                </a:solidFill>
+                <a:latin typeface="Consolas" panose="020B0609020204030204" pitchFamily="49" charset="0"/>
+              </a:rPr>
+              <a:t>y =</a:t>
             </a:r>
             <a:r>
               <a:rPr lang="en-US" altLang="ko-KR" dirty="0" err="1" smtClean="0">
@@ -4568,7 +4589,7 @@
                 </a:solidFill>
                 <a:latin typeface="Consolas" panose="020B0609020204030204" pitchFamily="49" charset="0"/>
               </a:rPr>
-              <a:t>e.offset</a:t>
+              <a:t>e.offsetY</a:t>
             </a:r>
             <a:r>
               <a:rPr lang="en-US" altLang="ko-KR" dirty="0" smtClean="0">
